--- a/thématique SI/008 SI et parcours patient/rsrc/design capsule.pptx
+++ b/thématique SI/008 SI et parcours patient/rsrc/design capsule.pptx
@@ -5,10 +5,12 @@
     <p:sldMasterId id="2147483648" r:id="rId1"/>
   </p:sldMasterIdLst>
   <p:notesMasterIdLst>
-    <p:notesMasterId r:id="rId3"/>
+    <p:notesMasterId r:id="rId5"/>
   </p:notesMasterIdLst>
   <p:sldIdLst>
     <p:sldId id="256" r:id="rId2"/>
+    <p:sldId id="258" r:id="rId3"/>
+    <p:sldId id="257" r:id="rId4"/>
   </p:sldIdLst>
   <p:sldSz cx="12192000" cy="6858000"/>
   <p:notesSz cx="6858000" cy="9144000"/>
@@ -107,6 +109,11 @@
       </a:defRPr>
     </a:lvl9pPr>
   </p:defaultTextStyle>
+  <p:extLst>
+    <p:ext uri="{EFAFB233-063F-42B5-8137-9DF3F51BA10A}">
+      <p15:sldGuideLst xmlns:p15="http://schemas.microsoft.com/office/powerpoint/2012/main"/>
+    </p:ext>
+  </p:extLst>
 </p:presentation>
 </file>
 
@@ -4623,6 +4630,199 @@
 </p:sld>
 </file>
 
+<file path=ppt/slides/slide2.xml><?xml version="1.0" encoding="utf-8"?>
+<p:sld xmlns:a="http://schemas.openxmlformats.org/drawingml/2006/main" xmlns:r="http://schemas.openxmlformats.org/officeDocument/2006/relationships" xmlns:p="http://schemas.openxmlformats.org/presentationml/2006/main">
+  <p:cSld>
+    <p:spTree>
+      <p:nvGrpSpPr>
+        <p:cNvPr id="1" name=""/>
+        <p:cNvGrpSpPr/>
+        <p:nvPr/>
+      </p:nvGrpSpPr>
+      <p:grpSpPr>
+        <a:xfrm>
+          <a:off x="0" y="0"/>
+          <a:ext cx="0" cy="0"/>
+          <a:chOff x="0" y="0"/>
+          <a:chExt cx="0" cy="0"/>
+        </a:xfrm>
+      </p:grpSpPr>
+      <p:sp>
+        <p:nvSpPr>
+          <p:cNvPr id="2" name="ZoneTexte 1">
+            <a:extLst>
+              <a:ext uri="{FF2B5EF4-FFF2-40B4-BE49-F238E27FC236}">
+                <a16:creationId xmlns:a16="http://schemas.microsoft.com/office/drawing/2014/main" id="{334E13F8-84E0-3DAB-D069-A5D59569A18A}"/>
+              </a:ext>
+            </a:extLst>
+          </p:cNvPr>
+          <p:cNvSpPr txBox="1"/>
+          <p:nvPr/>
+        </p:nvSpPr>
+        <p:spPr>
+          <a:xfrm>
+            <a:off x="101600" y="127000"/>
+            <a:ext cx="2286203" cy="369332"/>
+          </a:xfrm>
+          <a:prstGeom prst="rect">
+            <a:avLst/>
+          </a:prstGeom>
+          <a:noFill/>
+        </p:spPr>
+        <p:txBody>
+          <a:bodyPr wrap="none" rtlCol="0">
+            <a:spAutoFit/>
+          </a:bodyPr>
+          <a:lstStyle/>
+          <a:p>
+            <a:r>
+              <a:rPr lang="fr-FR" dirty="0">
+                <a:solidFill>
+                  <a:srgbClr val="FF0000"/>
+                </a:solidFill>
+              </a:rPr>
+              <a:t>Résolution par étapes</a:t>
+            </a:r>
+          </a:p>
+        </p:txBody>
+      </p:sp>
+      <p:pic>
+        <p:nvPicPr>
+          <p:cNvPr id="4" name="Image 3">
+            <a:extLst>
+              <a:ext uri="{FF2B5EF4-FFF2-40B4-BE49-F238E27FC236}">
+                <a16:creationId xmlns:a16="http://schemas.microsoft.com/office/drawing/2014/main" id="{C5FBC0E4-F9A2-E631-4BBC-4F33D4EC3778}"/>
+              </a:ext>
+            </a:extLst>
+          </p:cNvPr>
+          <p:cNvPicPr>
+            <a:picLocks noChangeAspect="1"/>
+          </p:cNvPicPr>
+          <p:nvPr/>
+        </p:nvPicPr>
+        <p:blipFill>
+          <a:blip r:embed="rId2"/>
+          <a:stretch>
+            <a:fillRect/>
+          </a:stretch>
+        </p:blipFill>
+        <p:spPr>
+          <a:xfrm>
+            <a:off x="1244701" y="421093"/>
+            <a:ext cx="9236240" cy="6309907"/>
+          </a:xfrm>
+          <a:prstGeom prst="rect">
+            <a:avLst/>
+          </a:prstGeom>
+        </p:spPr>
+      </p:pic>
+    </p:spTree>
+    <p:extLst>
+      <p:ext uri="{BB962C8B-B14F-4D97-AF65-F5344CB8AC3E}">
+        <p14:creationId xmlns:p14="http://schemas.microsoft.com/office/powerpoint/2010/main" val="4074868674"/>
+      </p:ext>
+    </p:extLst>
+  </p:cSld>
+  <p:clrMapOvr>
+    <a:masterClrMapping/>
+  </p:clrMapOvr>
+</p:sld>
+</file>
+
+<file path=ppt/slides/slide3.xml><?xml version="1.0" encoding="utf-8"?>
+<p:sld xmlns:a="http://schemas.openxmlformats.org/drawingml/2006/main" xmlns:r="http://schemas.openxmlformats.org/officeDocument/2006/relationships" xmlns:p="http://schemas.openxmlformats.org/presentationml/2006/main">
+  <p:cSld>
+    <p:spTree>
+      <p:nvGrpSpPr>
+        <p:cNvPr id="1" name=""/>
+        <p:cNvGrpSpPr/>
+        <p:nvPr/>
+      </p:nvGrpSpPr>
+      <p:grpSpPr>
+        <a:xfrm>
+          <a:off x="0" y="0"/>
+          <a:ext cx="0" cy="0"/>
+          <a:chOff x="0" y="0"/>
+          <a:chExt cx="0" cy="0"/>
+        </a:xfrm>
+      </p:grpSpPr>
+      <p:sp>
+        <p:nvSpPr>
+          <p:cNvPr id="2" name="Rectangle : coins arrondis 1">
+            <a:extLst>
+              <a:ext uri="{FF2B5EF4-FFF2-40B4-BE49-F238E27FC236}">
+                <a16:creationId xmlns:a16="http://schemas.microsoft.com/office/drawing/2014/main" id="{172E75E7-2981-D54B-FC14-1AD2CEF0DFDE}"/>
+              </a:ext>
+            </a:extLst>
+          </p:cNvPr>
+          <p:cNvSpPr/>
+          <p:nvPr/>
+        </p:nvSpPr>
+        <p:spPr>
+          <a:xfrm>
+            <a:off x="4559300" y="3111500"/>
+            <a:ext cx="3073400" cy="1092200"/>
+          </a:xfrm>
+          <a:prstGeom prst="roundRect">
+            <a:avLst>
+              <a:gd name="adj" fmla="val 34667"/>
+            </a:avLst>
+          </a:prstGeom>
+          <a:solidFill>
+            <a:srgbClr val="92D050"/>
+          </a:solidFill>
+          <a:scene3d>
+            <a:camera prst="perspectiveRelaxedModerately"/>
+            <a:lightRig rig="threePt" dir="t"/>
+          </a:scene3d>
+          <a:sp3d>
+            <a:bevelT w="139700" h="139700" prst="divot"/>
+          </a:sp3d>
+        </p:spPr>
+        <p:style>
+          <a:lnRef idx="2">
+            <a:schemeClr val="accent1">
+              <a:shade val="15000"/>
+            </a:schemeClr>
+          </a:lnRef>
+          <a:fillRef idx="1">
+            <a:schemeClr val="accent1"/>
+          </a:fillRef>
+          <a:effectRef idx="0">
+            <a:schemeClr val="accent1"/>
+          </a:effectRef>
+          <a:fontRef idx="minor">
+            <a:schemeClr val="lt1"/>
+          </a:fontRef>
+        </p:style>
+        <p:txBody>
+          <a:bodyPr rtlCol="0" anchor="ctr"/>
+          <a:lstStyle/>
+          <a:p>
+            <a:r>
+              <a:rPr lang="fr-FR" sz="2400" b="1" dirty="0">
+                <a:solidFill>
+                  <a:schemeClr val="tx1"/>
+                </a:solidFill>
+              </a:rPr>
+              <a:t>Voir la correction</a:t>
+            </a:r>
+          </a:p>
+        </p:txBody>
+      </p:sp>
+    </p:spTree>
+    <p:extLst>
+      <p:ext uri="{BB962C8B-B14F-4D97-AF65-F5344CB8AC3E}">
+        <p14:creationId xmlns:p14="http://schemas.microsoft.com/office/powerpoint/2010/main" val="1169313869"/>
+      </p:ext>
+    </p:extLst>
+  </p:cSld>
+  <p:clrMapOvr>
+    <a:masterClrMapping/>
+  </p:clrMapOvr>
+</p:sld>
+</file>
+
 <file path=ppt/theme/theme1.xml><?xml version="1.0" encoding="utf-8"?>
 <a:theme xmlns:a="http://schemas.openxmlformats.org/drawingml/2006/main" name="Thème Office">
   <a:themeElements>
